--- a/presentations/Thailand/PNNL_Thammasat_March_2022.pptx
+++ b/presentations/Thailand/PNNL_Thammasat_March_2022.pptx
@@ -221,7 +221,7 @@
           <a:p>
             <a:fld id="{C06E50B8-2EF8-564F-AE86-D84E6C503530}" type="datetimeFigureOut">
               <a:rPr lang="en-US" smtClean="0"/>
-              <a:t>3/9/2022</a:t>
+              <a:t>3/15/2022</a:t>
             </a:fld>
             <a:endParaRPr lang="en-US" dirty="0"/>
           </a:p>
@@ -398,7 +398,7 @@
           <a:p>
             <a:fld id="{13AC8D20-1945-7145-91A2-3D134BDA25E2}" type="datetimeFigureOut">
               <a:rPr lang="en-US" smtClean="0"/>
-              <a:t>3/9/2022</a:t>
+              <a:t>3/15/2022</a:t>
             </a:fld>
             <a:endParaRPr lang="en-US" dirty="0"/>
           </a:p>
@@ -796,10 +796,7 @@
           <a:bodyPr/>
           <a:lstStyle/>
           <a:p>
-            <a:r>
-              <a:rPr lang="en-US" dirty="0"/>
-              <a:t>Both teams plus box w/ other people involved (include MEA, state dept)</a:t>
-            </a:r>
+            <a:endParaRPr lang="en-US" dirty="0"/>
           </a:p>
         </p:txBody>
       </p:sp>
@@ -967,10 +964,7 @@
           <a:bodyPr/>
           <a:lstStyle/>
           <a:p>
-            <a:r>
-              <a:rPr lang="en-US" dirty="0"/>
-              <a:t>Add planning sheet link</a:t>
-            </a:r>
+            <a:endParaRPr lang="en-US" dirty="0"/>
           </a:p>
         </p:txBody>
       </p:sp>
@@ -1466,7 +1460,7 @@
           <a:p>
             <a:fld id="{ABD4F8E3-4ED9-44B4-99E6-8A3D2CF8D415}" type="datetime4">
               <a:rPr lang="en-US" smtClean="0"/>
-              <a:t>March 9, 2022</a:t>
+              <a:t>March 15, 2022</a:t>
             </a:fld>
             <a:endParaRPr lang="en-US" dirty="0"/>
           </a:p>
@@ -2016,7 +2010,7 @@
             <a:fld id="{9B7EE7B1-A6C1-4E39-8665-A73ED03F32E1}" type="datetimeFigureOut">
               <a:rPr lang="en-US" smtClean="0"/>
               <a:pPr/>
-              <a:t>3/9/2022</a:t>
+              <a:t>3/15/2022</a:t>
             </a:fld>
             <a:endParaRPr lang="en-US" dirty="0"/>
           </a:p>
@@ -2483,7 +2477,7 @@
             <a:fld id="{9B7EE7B1-A6C1-4E39-8665-A73ED03F32E1}" type="datetimeFigureOut">
               <a:rPr lang="en-US" smtClean="0"/>
               <a:pPr/>
-              <a:t>3/9/2022</a:t>
+              <a:t>3/15/2022</a:t>
             </a:fld>
             <a:endParaRPr lang="en-US" dirty="0"/>
           </a:p>
@@ -2950,7 +2944,7 @@
             <a:fld id="{9B7EE7B1-A6C1-4E39-8665-A73ED03F32E1}" type="datetimeFigureOut">
               <a:rPr lang="en-US" smtClean="0"/>
               <a:pPr/>
-              <a:t>3/9/2022</a:t>
+              <a:t>3/15/2022</a:t>
             </a:fld>
             <a:endParaRPr lang="en-US" dirty="0"/>
           </a:p>
@@ -3917,7 +3911,7 @@
             <a:fld id="{9B7EE7B1-A6C1-4E39-8665-A73ED03F32E1}" type="datetimeFigureOut">
               <a:rPr lang="en-US" smtClean="0"/>
               <a:pPr/>
-              <a:t>3/9/2022</a:t>
+              <a:t>3/15/2022</a:t>
             </a:fld>
             <a:endParaRPr lang="en-US" dirty="0"/>
           </a:p>
@@ -5074,7 +5068,7 @@
             <a:fld id="{9B7EE7B1-A6C1-4E39-8665-A73ED03F32E1}" type="datetimeFigureOut">
               <a:rPr lang="en-US" smtClean="0"/>
               <a:pPr/>
-              <a:t>3/9/2022</a:t>
+              <a:t>3/15/2022</a:t>
             </a:fld>
             <a:endParaRPr lang="en-US" dirty="0"/>
           </a:p>
@@ -6258,7 +6252,7 @@
             <a:fld id="{9B7EE7B1-A6C1-4E39-8665-A73ED03F32E1}" type="datetimeFigureOut">
               <a:rPr lang="en-US" smtClean="0"/>
               <a:pPr/>
-              <a:t>3/9/2022</a:t>
+              <a:t>3/15/2022</a:t>
             </a:fld>
             <a:endParaRPr lang="en-US" dirty="0"/>
           </a:p>
@@ -6575,7 +6569,7 @@
             <a:fld id="{9B7EE7B1-A6C1-4E39-8665-A73ED03F32E1}" type="datetimeFigureOut">
               <a:rPr lang="en-US" smtClean="0"/>
               <a:pPr/>
-              <a:t>3/9/2022</a:t>
+              <a:t>3/15/2022</a:t>
             </a:fld>
             <a:endParaRPr lang="en-US" dirty="0"/>
           </a:p>
@@ -7441,31 +7435,6 @@
       </p:sp>
       <p:sp>
         <p:nvSpPr>
-          <p:cNvPr id="4" name="Text Placeholder 3">
-            <a:extLst>
-              <a:ext uri="{FF2B5EF4-FFF2-40B4-BE49-F238E27FC236}">
-                <a16:creationId xmlns:a16="http://schemas.microsoft.com/office/drawing/2014/main" id="{3C886310-1A8B-41C6-8ABF-4E949224625A}"/>
-              </a:ext>
-            </a:extLst>
-          </p:cNvPr>
-          <p:cNvSpPr>
-            <a:spLocks noGrp="1"/>
-          </p:cNvSpPr>
-          <p:nvPr>
-            <p:ph type="body" sz="quarter" idx="10"/>
-          </p:nvPr>
-        </p:nvSpPr>
-        <p:spPr/>
-        <p:txBody>
-          <a:bodyPr/>
-          <a:lstStyle/>
-          <a:p>
-            <a:endParaRPr lang="en-US" dirty="0"/>
-          </a:p>
-        </p:txBody>
-      </p:sp>
-      <p:sp>
-        <p:nvSpPr>
           <p:cNvPr id="5" name="Text Placeholder 4">
             <a:extLst>
               <a:ext uri="{FF2B5EF4-FFF2-40B4-BE49-F238E27FC236}">
@@ -7844,35 +7813,44 @@
         </p:nvSpPr>
         <p:spPr>
           <a:xfrm>
-            <a:off x="1371600" y="2514599"/>
-            <a:ext cx="12801600" cy="3635680"/>
+            <a:off x="1365503" y="2206644"/>
+            <a:ext cx="6144769" cy="2957792"/>
           </a:xfrm>
         </p:spPr>
         <p:txBody>
           <a:bodyPr/>
           <a:lstStyle/>
           <a:p>
+            <a:pPr marL="0" indent="0">
+              <a:buNone/>
+            </a:pPr>
             <a:r>
               <a:rPr lang="en-US" dirty="0"/>
+              <a:t>PNNL</a:t>
+            </a:r>
+          </a:p>
+          <a:p>
+            <a:r>
+              <a:rPr lang="en-US" sz="2000" dirty="0"/>
+              <a:t>Sha Yu: Earth Scientist</a:t>
+            </a:r>
+          </a:p>
+          <a:p>
+            <a:r>
+              <a:rPr lang="en-US" sz="2000" dirty="0"/>
+              <a:t>Meredydd Evans: Earth Scientist</a:t>
+            </a:r>
+          </a:p>
+          <a:p>
+            <a:r>
+              <a:rPr lang="en-US" sz="2000" dirty="0"/>
+              <a:t>Zarrar Khan: Computational Scientist</a:t>
+            </a:r>
+          </a:p>
+          <a:p>
+            <a:r>
+              <a:rPr lang="en-US" sz="2000" dirty="0"/>
               <a:t>Taryn Waite: Post- Bachelors Research Assistant</a:t>
-            </a:r>
-          </a:p>
-          <a:p>
-            <a:r>
-              <a:rPr lang="en-US" dirty="0"/>
-              <a:t>Zarrar Khan: Computational Scientist</a:t>
-            </a:r>
-          </a:p>
-          <a:p>
-            <a:r>
-              <a:rPr lang="en-US" dirty="0"/>
-              <a:t>Sha Yu: Earth Scientist</a:t>
-            </a:r>
-          </a:p>
-          <a:p>
-            <a:r>
-              <a:rPr lang="en-US" dirty="0"/>
-              <a:t>Meredydd Evans: Earth Scientist</a:t>
             </a:r>
           </a:p>
           <a:p>
@@ -7882,17 +7860,566 @@
               </a:solidFill>
             </a:endParaRPr>
           </a:p>
+        </p:txBody>
+      </p:sp>
+      <p:sp>
+        <p:nvSpPr>
+          <p:cNvPr id="5" name="Content Placeholder 3">
+            <a:extLst>
+              <a:ext uri="{FF2B5EF4-FFF2-40B4-BE49-F238E27FC236}">
+                <a16:creationId xmlns:a16="http://schemas.microsoft.com/office/drawing/2014/main" id="{AF63CD49-A20F-4FFF-91FB-D54000AF5A10}"/>
+              </a:ext>
+            </a:extLst>
+          </p:cNvPr>
+          <p:cNvSpPr txBox="1">
+            <a:spLocks/>
+          </p:cNvSpPr>
+          <p:nvPr/>
+        </p:nvSpPr>
+        <p:spPr>
+          <a:xfrm>
+            <a:off x="8076138" y="2206644"/>
+            <a:ext cx="6144769" cy="4651357"/>
+          </a:xfrm>
+          <a:prstGeom prst="rect">
+            <a:avLst/>
+          </a:prstGeom>
+        </p:spPr>
+        <p:txBody>
+          <a:bodyPr/>
+          <a:lstStyle>
+            <a:lvl1pPr marL="274320" indent="-274320" algn="l" defTabSz="1097280" rtl="0" eaLnBrk="1" latinLnBrk="0" hangingPunct="1">
+              <a:lnSpc>
+                <a:spcPct val="90000"/>
+              </a:lnSpc>
+              <a:spcBef>
+                <a:spcPts val="1200"/>
+              </a:spcBef>
+              <a:buFont typeface="Arial" panose="020B0604020202020204" pitchFamily="34" charset="0"/>
+              <a:buChar char="•"/>
+              <a:defRPr sz="2800" kern="1200">
+                <a:solidFill>
+                  <a:schemeClr val="tx1"/>
+                </a:solidFill>
+                <a:latin typeface="Arial" panose="020B0604020202020204" pitchFamily="34" charset="0"/>
+                <a:ea typeface="+mn-ea"/>
+                <a:cs typeface="Arial" panose="020B0604020202020204" pitchFamily="34" charset="0"/>
+              </a:defRPr>
+            </a:lvl1pPr>
+            <a:lvl2pPr marL="822960" indent="-274320" algn="l" defTabSz="1097280" rtl="0" eaLnBrk="1" latinLnBrk="0" hangingPunct="1">
+              <a:lnSpc>
+                <a:spcPct val="90000"/>
+              </a:lnSpc>
+              <a:spcBef>
+                <a:spcPts val="600"/>
+              </a:spcBef>
+              <a:buFont typeface="Wingdings" panose="05000000000000000000" pitchFamily="2" charset="2"/>
+              <a:buChar char="§"/>
+              <a:defRPr sz="2400" kern="1200">
+                <a:solidFill>
+                  <a:schemeClr val="tx1"/>
+                </a:solidFill>
+                <a:latin typeface="Arial" panose="020B0604020202020204" pitchFamily="34" charset="0"/>
+                <a:ea typeface="+mn-ea"/>
+                <a:cs typeface="Arial" panose="020B0604020202020204" pitchFamily="34" charset="0"/>
+              </a:defRPr>
+            </a:lvl2pPr>
+            <a:lvl3pPr marL="1371600" indent="-274320" algn="l" defTabSz="1097280" rtl="0" eaLnBrk="1" latinLnBrk="0" hangingPunct="1">
+              <a:lnSpc>
+                <a:spcPct val="90000"/>
+              </a:lnSpc>
+              <a:spcBef>
+                <a:spcPts val="600"/>
+              </a:spcBef>
+              <a:buFont typeface="Wingdings" panose="05000000000000000000" pitchFamily="2" charset="2"/>
+              <a:buChar char="ü"/>
+              <a:defRPr sz="2000" kern="1200">
+                <a:solidFill>
+                  <a:schemeClr val="tx1"/>
+                </a:solidFill>
+                <a:latin typeface="Arial" panose="020B0604020202020204" pitchFamily="34" charset="0"/>
+                <a:ea typeface="+mn-ea"/>
+                <a:cs typeface="Arial" panose="020B0604020202020204" pitchFamily="34" charset="0"/>
+              </a:defRPr>
+            </a:lvl3pPr>
+            <a:lvl4pPr marL="1920240" indent="-274320" algn="l" defTabSz="1097280" rtl="0" eaLnBrk="1" latinLnBrk="0" hangingPunct="1">
+              <a:lnSpc>
+                <a:spcPct val="90000"/>
+              </a:lnSpc>
+              <a:spcBef>
+                <a:spcPts val="600"/>
+              </a:spcBef>
+              <a:buFont typeface="Arial" panose="020B0604020202020204" pitchFamily="34" charset="0"/>
+              <a:buChar char="•"/>
+              <a:defRPr sz="1800" kern="1200">
+                <a:solidFill>
+                  <a:schemeClr val="tx1"/>
+                </a:solidFill>
+                <a:latin typeface="Arial" panose="020B0604020202020204" pitchFamily="34" charset="0"/>
+                <a:ea typeface="+mn-ea"/>
+                <a:cs typeface="Arial" panose="020B0604020202020204" pitchFamily="34" charset="0"/>
+              </a:defRPr>
+            </a:lvl4pPr>
+            <a:lvl5pPr marL="2468880" indent="-274320" algn="l" defTabSz="1097280" rtl="0" eaLnBrk="1" latinLnBrk="0" hangingPunct="1">
+              <a:lnSpc>
+                <a:spcPct val="90000"/>
+              </a:lnSpc>
+              <a:spcBef>
+                <a:spcPts val="600"/>
+              </a:spcBef>
+              <a:buFont typeface="Wingdings" panose="05000000000000000000" pitchFamily="2" charset="2"/>
+              <a:buChar char="§"/>
+              <a:defRPr sz="1600" kern="1200">
+                <a:solidFill>
+                  <a:schemeClr val="tx1"/>
+                </a:solidFill>
+                <a:latin typeface="Arial" panose="020B0604020202020204" pitchFamily="34" charset="0"/>
+                <a:ea typeface="+mn-ea"/>
+                <a:cs typeface="Arial" panose="020B0604020202020204" pitchFamily="34" charset="0"/>
+              </a:defRPr>
+            </a:lvl5pPr>
+            <a:lvl6pPr marL="3017520" indent="-274320" algn="l" defTabSz="1097280" rtl="0" eaLnBrk="1" latinLnBrk="0" hangingPunct="1">
+              <a:lnSpc>
+                <a:spcPct val="90000"/>
+              </a:lnSpc>
+              <a:spcBef>
+                <a:spcPts val="600"/>
+              </a:spcBef>
+              <a:buFont typeface="Arial" panose="020B0604020202020204" pitchFamily="34" charset="0"/>
+              <a:buChar char="•"/>
+              <a:defRPr sz="2160" kern="1200">
+                <a:solidFill>
+                  <a:schemeClr val="tx1"/>
+                </a:solidFill>
+                <a:latin typeface="+mn-lt"/>
+                <a:ea typeface="+mn-ea"/>
+                <a:cs typeface="+mn-cs"/>
+              </a:defRPr>
+            </a:lvl6pPr>
+            <a:lvl7pPr marL="3566160" indent="-274320" algn="l" defTabSz="1097280" rtl="0" eaLnBrk="1" latinLnBrk="0" hangingPunct="1">
+              <a:lnSpc>
+                <a:spcPct val="90000"/>
+              </a:lnSpc>
+              <a:spcBef>
+                <a:spcPts val="600"/>
+              </a:spcBef>
+              <a:buFont typeface="Arial" panose="020B0604020202020204" pitchFamily="34" charset="0"/>
+              <a:buChar char="•"/>
+              <a:defRPr sz="2160" kern="1200">
+                <a:solidFill>
+                  <a:schemeClr val="tx1"/>
+                </a:solidFill>
+                <a:latin typeface="+mn-lt"/>
+                <a:ea typeface="+mn-ea"/>
+                <a:cs typeface="+mn-cs"/>
+              </a:defRPr>
+            </a:lvl7pPr>
+            <a:lvl8pPr marL="4114800" indent="-274320" algn="l" defTabSz="1097280" rtl="0" eaLnBrk="1" latinLnBrk="0" hangingPunct="1">
+              <a:lnSpc>
+                <a:spcPct val="90000"/>
+              </a:lnSpc>
+              <a:spcBef>
+                <a:spcPts val="600"/>
+              </a:spcBef>
+              <a:buFont typeface="Arial" panose="020B0604020202020204" pitchFamily="34" charset="0"/>
+              <a:buChar char="•"/>
+              <a:defRPr sz="2160" kern="1200">
+                <a:solidFill>
+                  <a:schemeClr val="tx1"/>
+                </a:solidFill>
+                <a:latin typeface="+mn-lt"/>
+                <a:ea typeface="+mn-ea"/>
+                <a:cs typeface="+mn-cs"/>
+              </a:defRPr>
+            </a:lvl8pPr>
+            <a:lvl9pPr marL="4663440" indent="-274320" algn="l" defTabSz="1097280" rtl="0" eaLnBrk="1" latinLnBrk="0" hangingPunct="1">
+              <a:lnSpc>
+                <a:spcPct val="90000"/>
+              </a:lnSpc>
+              <a:spcBef>
+                <a:spcPts val="600"/>
+              </a:spcBef>
+              <a:buFont typeface="Arial" panose="020B0604020202020204" pitchFamily="34" charset="0"/>
+              <a:buChar char="•"/>
+              <a:defRPr sz="2160" kern="1200">
+                <a:solidFill>
+                  <a:schemeClr val="tx1"/>
+                </a:solidFill>
+                <a:latin typeface="+mn-lt"/>
+                <a:ea typeface="+mn-ea"/>
+                <a:cs typeface="+mn-cs"/>
+              </a:defRPr>
+            </a:lvl9pPr>
+          </a:lstStyle>
           <a:p>
             <a:pPr marL="0" indent="0">
+              <a:buFont typeface="Arial" panose="020B0604020202020204" pitchFamily="34" charset="0"/>
               <a:buNone/>
             </a:pPr>
             <a:r>
-              <a:rPr lang="en-US" dirty="0">
+              <a:rPr lang="en-US" dirty="0"/>
+              <a:t>Thammasat University</a:t>
+            </a:r>
+          </a:p>
+          <a:p>
+            <a:r>
+              <a:rPr lang="en-US" sz="2000" dirty="0" err="1"/>
+              <a:t>Bundit</a:t>
+            </a:r>
+            <a:r>
+              <a:rPr lang="en-US" sz="2000" dirty="0"/>
+              <a:t> </a:t>
+            </a:r>
+            <a:r>
+              <a:rPr lang="en-US" sz="2000" dirty="0" err="1"/>
+              <a:t>Limmechokchai</a:t>
+            </a:r>
+            <a:endParaRPr lang="en-US" sz="2000" dirty="0"/>
+          </a:p>
+          <a:p>
+            <a:r>
+              <a:rPr lang="en-US" sz="2000" dirty="0" err="1"/>
+              <a:t>Bijay</a:t>
+            </a:r>
+            <a:r>
+              <a:rPr lang="en-US" sz="2000" dirty="0"/>
+              <a:t> Bahadur Pradhan, Post-doctorate Student</a:t>
+            </a:r>
+          </a:p>
+          <a:p>
+            <a:r>
+              <a:rPr lang="en-US" sz="2000" dirty="0" err="1"/>
+              <a:t>Salony</a:t>
+            </a:r>
+            <a:r>
+              <a:rPr lang="en-US" sz="2000" dirty="0"/>
+              <a:t> </a:t>
+            </a:r>
+            <a:r>
+              <a:rPr lang="en-US" sz="2000" dirty="0" err="1"/>
+              <a:t>Rajbhandari</a:t>
+            </a:r>
+            <a:r>
+              <a:rPr lang="en-US" sz="2000" dirty="0"/>
+              <a:t>, Post-doctorate Student</a:t>
+            </a:r>
+          </a:p>
+          <a:p>
+            <a:r>
+              <a:rPr lang="en-US" sz="2000" dirty="0" err="1"/>
+              <a:t>Achiraya</a:t>
+            </a:r>
+            <a:r>
+              <a:rPr lang="en-US" sz="2000" dirty="0"/>
+              <a:t>, Doctorate Student</a:t>
+            </a:r>
+          </a:p>
+          <a:p>
+            <a:r>
+              <a:rPr lang="en-US" sz="2000" dirty="0" err="1"/>
+              <a:t>Lorm</a:t>
+            </a:r>
+            <a:r>
+              <a:rPr lang="en-US" sz="2000" dirty="0"/>
+              <a:t> </a:t>
+            </a:r>
+            <a:r>
+              <a:rPr lang="en-US" sz="2000" dirty="0" err="1"/>
+              <a:t>Rathana</a:t>
+            </a:r>
+            <a:r>
+              <a:rPr lang="en-US" sz="2000" dirty="0"/>
+              <a:t>, Masters Student</a:t>
+            </a:r>
+          </a:p>
+          <a:p>
+            <a:r>
+              <a:rPr lang="en-US" sz="2000" dirty="0" err="1"/>
+              <a:t>Piti</a:t>
+            </a:r>
+            <a:r>
+              <a:rPr lang="en-US" sz="2000" dirty="0"/>
+              <a:t> Pita, Research Assistant</a:t>
+            </a:r>
+          </a:p>
+          <a:p>
+            <a:r>
+              <a:rPr lang="en-US" sz="2000" dirty="0" err="1"/>
+              <a:t>Pornphomon</a:t>
+            </a:r>
+            <a:r>
+              <a:rPr lang="en-US" sz="2000" dirty="0"/>
+              <a:t> </a:t>
+            </a:r>
+            <a:r>
+              <a:rPr lang="en-US" sz="2000" dirty="0" err="1"/>
+              <a:t>Winyuchakrit</a:t>
+            </a:r>
+            <a:r>
+              <a:rPr lang="en-US" sz="2000" dirty="0"/>
+              <a:t>, Senior Research Assistant</a:t>
+            </a:r>
+          </a:p>
+          <a:p>
+            <a:r>
+              <a:rPr lang="en-US" sz="2000" dirty="0" err="1"/>
+              <a:t>Daranee</a:t>
+            </a:r>
+            <a:r>
+              <a:rPr lang="en-US" sz="2000" dirty="0"/>
+              <a:t> </a:t>
+            </a:r>
+            <a:r>
+              <a:rPr lang="en-US" sz="2000" dirty="0" err="1"/>
+              <a:t>Jareemit</a:t>
+            </a:r>
+            <a:r>
+              <a:rPr lang="en-US" sz="2000" dirty="0"/>
+              <a:t>, Department of Architecture and Planning</a:t>
+            </a:r>
+          </a:p>
+        </p:txBody>
+      </p:sp>
+      <p:sp>
+        <p:nvSpPr>
+          <p:cNvPr id="7" name="Content Placeholder 3">
+            <a:extLst>
+              <a:ext uri="{FF2B5EF4-FFF2-40B4-BE49-F238E27FC236}">
+                <a16:creationId xmlns:a16="http://schemas.microsoft.com/office/drawing/2014/main" id="{220D7C26-50DC-44EB-8892-986F6C6A5BAD}"/>
+              </a:ext>
+            </a:extLst>
+          </p:cNvPr>
+          <p:cNvSpPr txBox="1">
+            <a:spLocks/>
+          </p:cNvSpPr>
+          <p:nvPr/>
+        </p:nvSpPr>
+        <p:spPr>
+          <a:xfrm>
+            <a:off x="1365503" y="5560566"/>
+            <a:ext cx="6144769" cy="1766665"/>
+          </a:xfrm>
+          <a:prstGeom prst="rect">
+            <a:avLst/>
+          </a:prstGeom>
+        </p:spPr>
+        <p:txBody>
+          <a:bodyPr/>
+          <a:lstStyle>
+            <a:lvl1pPr marL="274320" indent="-274320" algn="l" defTabSz="1097280" rtl="0" eaLnBrk="1" latinLnBrk="0" hangingPunct="1">
+              <a:lnSpc>
+                <a:spcPct val="90000"/>
+              </a:lnSpc>
+              <a:spcBef>
+                <a:spcPts val="1200"/>
+              </a:spcBef>
+              <a:buFont typeface="Arial" panose="020B0604020202020204" pitchFamily="34" charset="0"/>
+              <a:buChar char="•"/>
+              <a:defRPr sz="2800" kern="1200">
                 <a:solidFill>
-                  <a:srgbClr val="FF0000"/>
+                  <a:schemeClr val="tx1"/>
                 </a:solidFill>
-              </a:rPr>
-              <a:t>Add photos?</a:t>
+                <a:latin typeface="Arial" panose="020B0604020202020204" pitchFamily="34" charset="0"/>
+                <a:ea typeface="+mn-ea"/>
+                <a:cs typeface="Arial" panose="020B0604020202020204" pitchFamily="34" charset="0"/>
+              </a:defRPr>
+            </a:lvl1pPr>
+            <a:lvl2pPr marL="822960" indent="-274320" algn="l" defTabSz="1097280" rtl="0" eaLnBrk="1" latinLnBrk="0" hangingPunct="1">
+              <a:lnSpc>
+                <a:spcPct val="90000"/>
+              </a:lnSpc>
+              <a:spcBef>
+                <a:spcPts val="600"/>
+              </a:spcBef>
+              <a:buFont typeface="Wingdings" panose="05000000000000000000" pitchFamily="2" charset="2"/>
+              <a:buChar char="§"/>
+              <a:defRPr sz="2400" kern="1200">
+                <a:solidFill>
+                  <a:schemeClr val="tx1"/>
+                </a:solidFill>
+                <a:latin typeface="Arial" panose="020B0604020202020204" pitchFamily="34" charset="0"/>
+                <a:ea typeface="+mn-ea"/>
+                <a:cs typeface="Arial" panose="020B0604020202020204" pitchFamily="34" charset="0"/>
+              </a:defRPr>
+            </a:lvl2pPr>
+            <a:lvl3pPr marL="1371600" indent="-274320" algn="l" defTabSz="1097280" rtl="0" eaLnBrk="1" latinLnBrk="0" hangingPunct="1">
+              <a:lnSpc>
+                <a:spcPct val="90000"/>
+              </a:lnSpc>
+              <a:spcBef>
+                <a:spcPts val="600"/>
+              </a:spcBef>
+              <a:buFont typeface="Wingdings" panose="05000000000000000000" pitchFamily="2" charset="2"/>
+              <a:buChar char="ü"/>
+              <a:defRPr sz="2000" kern="1200">
+                <a:solidFill>
+                  <a:schemeClr val="tx1"/>
+                </a:solidFill>
+                <a:latin typeface="Arial" panose="020B0604020202020204" pitchFamily="34" charset="0"/>
+                <a:ea typeface="+mn-ea"/>
+                <a:cs typeface="Arial" panose="020B0604020202020204" pitchFamily="34" charset="0"/>
+              </a:defRPr>
+            </a:lvl3pPr>
+            <a:lvl4pPr marL="1920240" indent="-274320" algn="l" defTabSz="1097280" rtl="0" eaLnBrk="1" latinLnBrk="0" hangingPunct="1">
+              <a:lnSpc>
+                <a:spcPct val="90000"/>
+              </a:lnSpc>
+              <a:spcBef>
+                <a:spcPts val="600"/>
+              </a:spcBef>
+              <a:buFont typeface="Arial" panose="020B0604020202020204" pitchFamily="34" charset="0"/>
+              <a:buChar char="•"/>
+              <a:defRPr sz="1800" kern="1200">
+                <a:solidFill>
+                  <a:schemeClr val="tx1"/>
+                </a:solidFill>
+                <a:latin typeface="Arial" panose="020B0604020202020204" pitchFamily="34" charset="0"/>
+                <a:ea typeface="+mn-ea"/>
+                <a:cs typeface="Arial" panose="020B0604020202020204" pitchFamily="34" charset="0"/>
+              </a:defRPr>
+            </a:lvl4pPr>
+            <a:lvl5pPr marL="2468880" indent="-274320" algn="l" defTabSz="1097280" rtl="0" eaLnBrk="1" latinLnBrk="0" hangingPunct="1">
+              <a:lnSpc>
+                <a:spcPct val="90000"/>
+              </a:lnSpc>
+              <a:spcBef>
+                <a:spcPts val="600"/>
+              </a:spcBef>
+              <a:buFont typeface="Wingdings" panose="05000000000000000000" pitchFamily="2" charset="2"/>
+              <a:buChar char="§"/>
+              <a:defRPr sz="1600" kern="1200">
+                <a:solidFill>
+                  <a:schemeClr val="tx1"/>
+                </a:solidFill>
+                <a:latin typeface="Arial" panose="020B0604020202020204" pitchFamily="34" charset="0"/>
+                <a:ea typeface="+mn-ea"/>
+                <a:cs typeface="Arial" panose="020B0604020202020204" pitchFamily="34" charset="0"/>
+              </a:defRPr>
+            </a:lvl5pPr>
+            <a:lvl6pPr marL="3017520" indent="-274320" algn="l" defTabSz="1097280" rtl="0" eaLnBrk="1" latinLnBrk="0" hangingPunct="1">
+              <a:lnSpc>
+                <a:spcPct val="90000"/>
+              </a:lnSpc>
+              <a:spcBef>
+                <a:spcPts val="600"/>
+              </a:spcBef>
+              <a:buFont typeface="Arial" panose="020B0604020202020204" pitchFamily="34" charset="0"/>
+              <a:buChar char="•"/>
+              <a:defRPr sz="2160" kern="1200">
+                <a:solidFill>
+                  <a:schemeClr val="tx1"/>
+                </a:solidFill>
+                <a:latin typeface="+mn-lt"/>
+                <a:ea typeface="+mn-ea"/>
+                <a:cs typeface="+mn-cs"/>
+              </a:defRPr>
+            </a:lvl6pPr>
+            <a:lvl7pPr marL="3566160" indent="-274320" algn="l" defTabSz="1097280" rtl="0" eaLnBrk="1" latinLnBrk="0" hangingPunct="1">
+              <a:lnSpc>
+                <a:spcPct val="90000"/>
+              </a:lnSpc>
+              <a:spcBef>
+                <a:spcPts val="600"/>
+              </a:spcBef>
+              <a:buFont typeface="Arial" panose="020B0604020202020204" pitchFamily="34" charset="0"/>
+              <a:buChar char="•"/>
+              <a:defRPr sz="2160" kern="1200">
+                <a:solidFill>
+                  <a:schemeClr val="tx1"/>
+                </a:solidFill>
+                <a:latin typeface="+mn-lt"/>
+                <a:ea typeface="+mn-ea"/>
+                <a:cs typeface="+mn-cs"/>
+              </a:defRPr>
+            </a:lvl7pPr>
+            <a:lvl8pPr marL="4114800" indent="-274320" algn="l" defTabSz="1097280" rtl="0" eaLnBrk="1" latinLnBrk="0" hangingPunct="1">
+              <a:lnSpc>
+                <a:spcPct val="90000"/>
+              </a:lnSpc>
+              <a:spcBef>
+                <a:spcPts val="600"/>
+              </a:spcBef>
+              <a:buFont typeface="Arial" panose="020B0604020202020204" pitchFamily="34" charset="0"/>
+              <a:buChar char="•"/>
+              <a:defRPr sz="2160" kern="1200">
+                <a:solidFill>
+                  <a:schemeClr val="tx1"/>
+                </a:solidFill>
+                <a:latin typeface="+mn-lt"/>
+                <a:ea typeface="+mn-ea"/>
+                <a:cs typeface="+mn-cs"/>
+              </a:defRPr>
+            </a:lvl8pPr>
+            <a:lvl9pPr marL="4663440" indent="-274320" algn="l" defTabSz="1097280" rtl="0" eaLnBrk="1" latinLnBrk="0" hangingPunct="1">
+              <a:lnSpc>
+                <a:spcPct val="90000"/>
+              </a:lnSpc>
+              <a:spcBef>
+                <a:spcPts val="600"/>
+              </a:spcBef>
+              <a:buFont typeface="Arial" panose="020B0604020202020204" pitchFamily="34" charset="0"/>
+              <a:buChar char="•"/>
+              <a:defRPr sz="2160" kern="1200">
+                <a:solidFill>
+                  <a:schemeClr val="tx1"/>
+                </a:solidFill>
+                <a:latin typeface="+mn-lt"/>
+                <a:ea typeface="+mn-ea"/>
+                <a:cs typeface="+mn-cs"/>
+              </a:defRPr>
+            </a:lvl9pPr>
+          </a:lstStyle>
+          <a:p>
+            <a:pPr marL="0" indent="0">
+              <a:buNone/>
+            </a:pPr>
+            <a:r>
+              <a:rPr lang="en-US" dirty="0"/>
+              <a:t>Other parties involved</a:t>
+            </a:r>
+          </a:p>
+          <a:p>
+            <a:r>
+              <a:rPr lang="en-US" sz="2000" dirty="0"/>
+              <a:t>MEA (Point of Contact: </a:t>
+            </a:r>
+            <a:r>
+              <a:rPr lang="en-US" sz="2000" dirty="0" err="1"/>
+              <a:t>Khun</a:t>
+            </a:r>
+            <a:r>
+              <a:rPr lang="en-US" sz="2000" dirty="0"/>
+              <a:t> </a:t>
+            </a:r>
+            <a:r>
+              <a:rPr lang="en-US" sz="2000" dirty="0" err="1"/>
+              <a:t>Nattanont</a:t>
+            </a:r>
+            <a:r>
+              <a:rPr lang="en-US" sz="2000" dirty="0"/>
+              <a:t>)</a:t>
+            </a:r>
+          </a:p>
+          <a:p>
+            <a:r>
+              <a:rPr lang="en-US" sz="2000" dirty="0"/>
+              <a:t>US Department of State (Point of Contact: </a:t>
+            </a:r>
+            <a:r>
+              <a:rPr lang="en-US" sz="2000" dirty="0" err="1"/>
+              <a:t>Aine</a:t>
+            </a:r>
+            <a:r>
+              <a:rPr lang="en-US" sz="2000" dirty="0"/>
+              <a:t> </a:t>
+            </a:r>
+            <a:r>
+              <a:rPr lang="en-US" sz="2000" dirty="0" err="1"/>
+              <a:t>Shiozaki</a:t>
+            </a:r>
+            <a:r>
+              <a:rPr lang="en-US" sz="2000" dirty="0"/>
+              <a:t>)</a:t>
             </a:r>
           </a:p>
         </p:txBody>
@@ -8367,12 +8894,8 @@
           </a:p>
           <a:p>
             <a:r>
-              <a:rPr lang="en-US" dirty="0">
-                <a:solidFill>
-                  <a:srgbClr val="FF0000"/>
-                </a:solidFill>
-              </a:rPr>
-              <a:t>Subcontract?</a:t>
+              <a:rPr lang="en-US" dirty="0"/>
+              <a:t>Subcontract questions/ concerns</a:t>
             </a:r>
           </a:p>
           <a:p>
